--- a/presentation/Classifying_Buenos_Aires_Neighborhoods_by_Quality_of_Life.pptx
+++ b/presentation/Classifying_Buenos_Aires_Neighborhoods_by_Quality_of_Life.pptx
@@ -114,6 +114,11 @@
       </a:defRPr>
     </a:lvl9pPr>
   </p:defaultTextStyle>
+  <p:extLst>
+    <p:ext uri="{EFAFB233-063F-42B5-8137-9DF3F51BA10A}">
+      <p15:sldGuideLst xmlns:p15="http://schemas.microsoft.com/office/powerpoint/2012/main"/>
+    </p:ext>
+  </p:extLst>
 </p:presentation>
 </file>
 
@@ -13725,10 +13730,10 @@
               <a:rPr lang="en-US" sz="6000" dirty="0"/>
             </a:br>
             <a:r>
-              <a:rPr lang="en-US" sz="2400" dirty="0"/>
+              <a:rPr lang="en-US" sz="2000" dirty="0"/>
               <a:t>A Data Science project using clustering, PCA, and geospatial data</a:t>
             </a:r>
-            <a:endParaRPr lang="ru-RU" sz="2400" dirty="0"/>
+            <a:endParaRPr lang="ru-RU" sz="2000" dirty="0"/>
           </a:p>
         </p:txBody>
       </p:sp>
@@ -13895,6 +13900,20 @@
               <a:rPr lang="en-US" sz="1600" dirty="0"/>
               <a:t>Socioeconomic and environmental variables align with perceived quality of life</a:t>
             </a:r>
+            <a:endParaRPr lang="ru-RU" sz="1600" dirty="0"/>
+          </a:p>
+          <a:p>
+            <a:r>
+              <a:rPr lang="en-US" sz="1600" dirty="0"/>
+              <a:t>This approach can support urban planning, social research, and public communication</a:t>
+            </a:r>
+            <a:endParaRPr lang="ru-RU" sz="1600" dirty="0"/>
+          </a:p>
+          <a:p>
+            <a:r>
+              <a:rPr lang="en-US" sz="1600" dirty="0"/>
+              <a:t>The methodology is scalable and can be applied to other cities</a:t>
+            </a:r>
           </a:p>
           <a:p>
             <a:endParaRPr lang="ru-RU" sz="1600" dirty="0"/>
@@ -14185,8 +14204,98 @@
         </p:blipFill>
         <p:spPr>
           <a:xfrm>
-            <a:off x="7766137" y="2499699"/>
-            <a:ext cx="3369501" cy="3472650"/>
+            <a:off x="9557787" y="2376455"/>
+            <a:ext cx="2042562" cy="2105090"/>
+          </a:xfrm>
+          <a:prstGeom prst="rect">
+            <a:avLst/>
+          </a:prstGeom>
+        </p:spPr>
+      </p:pic>
+      <p:pic>
+        <p:nvPicPr>
+          <p:cNvPr id="5" name="Рисунок 4">
+            <a:extLst>
+              <a:ext uri="{FF2B5EF4-FFF2-40B4-BE49-F238E27FC236}">
+                <a16:creationId xmlns:a16="http://schemas.microsoft.com/office/drawing/2014/main" id="{65009604-F05B-1210-0C6A-D162029F8EE5}"/>
+              </a:ext>
+            </a:extLst>
+          </p:cNvPr>
+          <p:cNvPicPr>
+            <a:picLocks noChangeAspect="1"/>
+          </p:cNvPicPr>
+          <p:nvPr/>
+        </p:nvPicPr>
+        <p:blipFill>
+          <a:blip r:embed="rId3"/>
+          <a:stretch>
+            <a:fillRect/>
+          </a:stretch>
+        </p:blipFill>
+        <p:spPr>
+          <a:xfrm>
+            <a:off x="5879432" y="2376455"/>
+            <a:ext cx="3167146" cy="2105090"/>
+          </a:xfrm>
+          <a:prstGeom prst="rect">
+            <a:avLst/>
+          </a:prstGeom>
+        </p:spPr>
+      </p:pic>
+      <p:pic>
+        <p:nvPicPr>
+          <p:cNvPr id="7" name="Рисунок 6">
+            <a:extLst>
+              <a:ext uri="{FF2B5EF4-FFF2-40B4-BE49-F238E27FC236}">
+                <a16:creationId xmlns:a16="http://schemas.microsoft.com/office/drawing/2014/main" id="{5A97372A-FF96-F13F-BCB5-12216D078767}"/>
+              </a:ext>
+            </a:extLst>
+          </p:cNvPr>
+          <p:cNvPicPr>
+            <a:picLocks noChangeAspect="1"/>
+          </p:cNvPicPr>
+          <p:nvPr/>
+        </p:nvPicPr>
+        <p:blipFill>
+          <a:blip r:embed="rId4"/>
+          <a:stretch>
+            <a:fillRect/>
+          </a:stretch>
+        </p:blipFill>
+        <p:spPr>
+          <a:xfrm>
+            <a:off x="5879431" y="4588857"/>
+            <a:ext cx="2793059" cy="1617034"/>
+          </a:xfrm>
+          <a:prstGeom prst="rect">
+            <a:avLst/>
+          </a:prstGeom>
+        </p:spPr>
+      </p:pic>
+      <p:pic>
+        <p:nvPicPr>
+          <p:cNvPr id="10" name="Рисунок 9">
+            <a:extLst>
+              <a:ext uri="{FF2B5EF4-FFF2-40B4-BE49-F238E27FC236}">
+                <a16:creationId xmlns:a16="http://schemas.microsoft.com/office/drawing/2014/main" id="{00A38A8D-E35E-35CC-0773-17636C644A4B}"/>
+              </a:ext>
+            </a:extLst>
+          </p:cNvPr>
+          <p:cNvPicPr>
+            <a:picLocks noChangeAspect="1"/>
+          </p:cNvPicPr>
+          <p:nvPr/>
+        </p:nvPicPr>
+        <p:blipFill>
+          <a:blip r:embed="rId5"/>
+          <a:stretch>
+            <a:fillRect/>
+          </a:stretch>
+        </p:blipFill>
+        <p:spPr>
+          <a:xfrm>
+            <a:off x="8722959" y="4588857"/>
+            <a:ext cx="2877390" cy="1617033"/>
           </a:xfrm>
           <a:prstGeom prst="rect">
             <a:avLst/>
@@ -15118,6 +15227,14 @@
               <a:rPr lang="en-US" dirty="0"/>
               <a:t>Visualizing the City: Labeled Clusters of Buenos Aires</a:t>
             </a:r>
+            <a:r>
+              <a:rPr lang="ru-RU" dirty="0"/>
+              <a:t> </a:t>
+            </a:r>
+            <a:r>
+              <a:rPr lang="en-US" dirty="0"/>
+              <a:t>on the Map</a:t>
+            </a:r>
             <a:endParaRPr lang="ru-RU" dirty="0"/>
           </a:p>
         </p:txBody>
@@ -15150,7 +15267,19 @@
           <a:p>
             <a:r>
               <a:rPr lang="en-US" dirty="0"/>
-              <a:t>Map created using </a:t>
+              <a:t>Here we are able to see a visual result of our clustering</a:t>
+            </a:r>
+          </a:p>
+          <a:p>
+            <a:pPr marL="0" indent="0">
+              <a:buNone/>
+            </a:pPr>
+            <a:endParaRPr lang="en-US" dirty="0"/>
+          </a:p>
+          <a:p>
+            <a:r>
+              <a:rPr lang="en-US" dirty="0"/>
+              <a:t>Map was created using </a:t>
             </a:r>
             <a:r>
               <a:rPr lang="en-US" dirty="0" err="1"/>

--- a/presentation/Classifying_Buenos_Aires_Neighborhoods_by_Quality_of_Life.pptx
+++ b/presentation/Classifying_Buenos_Aires_Neighborhoods_by_Quality_of_Life.pptx
@@ -769,7 +769,7 @@
             <a:fld id="{1E700B27-DE4C-4B9E-BB11-B9027034A00F}" type="datetimeFigureOut">
               <a:rPr lang="en-US" dirty="0"/>
               <a:pPr/>
-              <a:t>4/23/2025</a:t>
+              <a:t>4/26/2025</a:t>
             </a:fld>
             <a:endParaRPr lang="en-US" dirty="0"/>
           </a:p>
@@ -1885,7 +1885,7 @@
           <a:p>
             <a:fld id="{C40F4739-9812-4A9F-890D-2AD6BA5F6EE8}" type="datetimeFigureOut">
               <a:rPr lang="en-US" dirty="0"/>
-              <a:t>4/23/2025</a:t>
+              <a:t>4/26/2025</a:t>
             </a:fld>
             <a:endParaRPr lang="en-US" dirty="0"/>
           </a:p>
@@ -2892,7 +2892,7 @@
           <a:p>
             <a:fld id="{18845AC5-A3F8-44AA-BA8F-596CDCC976D3}" type="datetimeFigureOut">
               <a:rPr lang="en-US" dirty="0"/>
-              <a:t>4/23/2025</a:t>
+              <a:t>4/26/2025</a:t>
             </a:fld>
             <a:endParaRPr lang="en-US" dirty="0"/>
           </a:p>
@@ -4058,7 +4058,7 @@
           <a:p>
             <a:fld id="{C873B183-A821-4095-A363-9EC968635539}" type="datetimeFigureOut">
               <a:rPr lang="en-US" dirty="0"/>
-              <a:t>4/23/2025</a:t>
+              <a:t>4/26/2025</a:t>
             </a:fld>
             <a:endParaRPr lang="en-US" dirty="0"/>
           </a:p>
@@ -5115,7 +5115,7 @@
           <a:p>
             <a:fld id="{174D01B4-0AA5-45E6-B2E6-5FA4078AEBCF}" type="datetimeFigureOut">
               <a:rPr lang="en-US" dirty="0"/>
-              <a:t>4/23/2025</a:t>
+              <a:t>4/26/2025</a:t>
             </a:fld>
             <a:endParaRPr lang="en-US" dirty="0"/>
           </a:p>
@@ -5757,7 +5757,7 @@
           <a:p>
             <a:fld id="{4147335C-0450-40D7-8612-B3203BED4F28}" type="datetimeFigureOut">
               <a:rPr lang="en-US" dirty="0"/>
-              <a:t>4/23/2025</a:t>
+              <a:t>4/26/2025</a:t>
             </a:fld>
             <a:endParaRPr lang="en-US" dirty="0"/>
           </a:p>
@@ -6600,7 +6600,7 @@
           <a:p>
             <a:fld id="{D246A105-2A1C-4284-B4EA-07CF89B1A393}" type="datetimeFigureOut">
               <a:rPr lang="en-US" dirty="0"/>
-              <a:t>4/23/2025</a:t>
+              <a:t>4/26/2025</a:t>
             </a:fld>
             <a:endParaRPr lang="en-US" dirty="0"/>
           </a:p>
@@ -6771,7 +6771,7 @@
           <a:p>
             <a:fld id="{80DBE609-F3F2-45E6-BD6A-E03A8C86C1AE}" type="datetimeFigureOut">
               <a:rPr lang="en-US" dirty="0"/>
-              <a:t>4/23/2025</a:t>
+              <a:t>4/26/2025</a:t>
             </a:fld>
             <a:endParaRPr lang="en-US" dirty="0"/>
           </a:p>
@@ -7765,7 +7765,7 @@
           <a:p>
             <a:fld id="{7A24AD68-089C-4467-A8F3-EA2BBCA6B44E}" type="datetimeFigureOut">
               <a:rPr lang="en-US" dirty="0"/>
-              <a:t>4/23/2025</a:t>
+              <a:t>4/26/2025</a:t>
             </a:fld>
             <a:endParaRPr lang="en-US" dirty="0"/>
           </a:p>
@@ -7967,7 +7967,7 @@
           <a:p>
             <a:fld id="{75C51FCE-E4BB-4680-8E50-3C0E348D2609}" type="datetimeFigureOut">
               <a:rPr lang="en-US" dirty="0"/>
-              <a:t>4/23/2025</a:t>
+              <a:t>4/26/2025</a:t>
             </a:fld>
             <a:endParaRPr lang="en-US" dirty="0"/>
           </a:p>
@@ -9025,7 +9025,7 @@
           <a:p>
             <a:fld id="{8AAA073D-A903-47F8-8D16-77642FB0DF1F}" type="datetimeFigureOut">
               <a:rPr lang="en-US" dirty="0"/>
-              <a:t>4/23/2025</a:t>
+              <a:t>4/26/2025</a:t>
             </a:fld>
             <a:endParaRPr lang="en-US" dirty="0"/>
           </a:p>
@@ -9293,7 +9293,7 @@
           <a:p>
             <a:fld id="{AB91FA40-626B-4CA1-85D0-7A9016E395BA}" type="datetimeFigureOut">
               <a:rPr lang="en-US" dirty="0"/>
-              <a:t>4/23/2025</a:t>
+              <a:t>4/26/2025</a:t>
             </a:fld>
             <a:endParaRPr lang="en-US" dirty="0"/>
           </a:p>
@@ -9671,7 +9671,7 @@
           <a:p>
             <a:fld id="{C3F425EA-B9DC-48A7-991E-9A82573B1B21}" type="datetimeFigureOut">
               <a:rPr lang="en-US" dirty="0"/>
-              <a:t>4/23/2025</a:t>
+              <a:t>4/26/2025</a:t>
             </a:fld>
             <a:endParaRPr lang="en-US" dirty="0"/>
           </a:p>
@@ -9785,7 +9785,7 @@
           <a:p>
             <a:fld id="{66CB97F8-6CEB-469B-AFCC-889F2A2B1D5A}" type="datetimeFigureOut">
               <a:rPr lang="en-US" dirty="0"/>
-              <a:t>4/23/2025</a:t>
+              <a:t>4/26/2025</a:t>
             </a:fld>
             <a:endParaRPr lang="en-US" dirty="0"/>
           </a:p>
@@ -9876,7 +9876,7 @@
           <a:p>
             <a:fld id="{8FA9179F-009E-4FA5-B091-7EBB82A185BD}" type="datetimeFigureOut">
               <a:rPr lang="en-US" dirty="0"/>
-              <a:t>4/23/2025</a:t>
+              <a:t>4/26/2025</a:t>
             </a:fld>
             <a:endParaRPr lang="en-US" dirty="0"/>
           </a:p>
@@ -10981,7 +10981,7 @@
           <a:p>
             <a:fld id="{8E665CEB-0076-4E37-B880-BCEA9784DE0A}" type="datetimeFigureOut">
               <a:rPr lang="en-US" dirty="0"/>
-              <a:t>4/23/2025</a:t>
+              <a:t>4/26/2025</a:t>
             </a:fld>
             <a:endParaRPr lang="en-US" dirty="0"/>
           </a:p>
@@ -12110,7 +12110,7 @@
           <a:p>
             <a:fld id="{A6149E5E-3896-4118-99A7-7B85668F1C5E}" type="datetimeFigureOut">
               <a:rPr lang="en-US" dirty="0"/>
-              <a:t>4/23/2025</a:t>
+              <a:t>4/26/2025</a:t>
             </a:fld>
             <a:endParaRPr lang="en-US" dirty="0"/>
           </a:p>
@@ -13134,7 +13134,7 @@
           <a:p>
             <a:fld id="{7E0D914D-B099-4142-A885-11F276715148}" type="datetimeFigureOut">
               <a:rPr lang="en-US" dirty="0"/>
-              <a:t>4/23/2025</a:t>
+              <a:t>4/26/2025</a:t>
             </a:fld>
             <a:endParaRPr lang="en-US" dirty="0"/>
           </a:p>
@@ -15455,7 +15455,7 @@
               <a:rPr lang="en-US" sz="1400" dirty="0">
                 <a:hlinkClick r:id="rId2"/>
               </a:rPr>
-              <a:t>Link to my GitHub with interactive map</a:t>
+              <a:t>Link to the interactive map</a:t>
             </a:r>
             <a:endParaRPr lang="ru-RU" sz="1400" dirty="0"/>
           </a:p>
